--- a/Davy Chen.pptx
+++ b/Davy Chen.pptx
@@ -875,6 +875,38 @@
     </pc:docChg>
   </pc:docChgLst>
   <pc:docChgLst>
+    <pc:chgData name="Yang Qin" userId="bb18dba3-1192-47b7-8dc1-3b48ca5af32c" providerId="ADAL" clId="{AB26A2B2-A721-4249-8FB3-80F7DE5C83F3}"/>
+    <pc:docChg chg="custSel modSld">
+      <pc:chgData name="Yang Qin" userId="bb18dba3-1192-47b7-8dc1-3b48ca5af32c" providerId="ADAL" clId="{AB26A2B2-A721-4249-8FB3-80F7DE5C83F3}" dt="2021-05-17T11:14:01.197" v="609" actId="20577"/>
+      <pc:docMkLst>
+        <pc:docMk/>
+      </pc:docMkLst>
+      <pc:sldChg chg="modSp">
+        <pc:chgData name="Yang Qin" userId="bb18dba3-1192-47b7-8dc1-3b48ca5af32c" providerId="ADAL" clId="{AB26A2B2-A721-4249-8FB3-80F7DE5C83F3}" dt="2021-05-17T11:14:01.197" v="609" actId="20577"/>
+        <pc:sldMkLst>
+          <pc:docMk/>
+          <pc:sldMk cId="2840004366" sldId="288"/>
+        </pc:sldMkLst>
+        <pc:spChg chg="mod">
+          <ac:chgData name="Yang Qin" userId="bb18dba3-1192-47b7-8dc1-3b48ca5af32c" providerId="ADAL" clId="{AB26A2B2-A721-4249-8FB3-80F7DE5C83F3}" dt="2021-05-17T10:53:31.790" v="13" actId="20577"/>
+          <ac:spMkLst>
+            <pc:docMk/>
+            <pc:sldMk cId="2840004366" sldId="288"/>
+            <ac:spMk id="4" creationId="{CC8F03EE-E78A-42BD-9FB7-0CE325AE8C0A}"/>
+          </ac:spMkLst>
+        </pc:spChg>
+        <pc:spChg chg="mod">
+          <ac:chgData name="Yang Qin" userId="bb18dba3-1192-47b7-8dc1-3b48ca5af32c" providerId="ADAL" clId="{AB26A2B2-A721-4249-8FB3-80F7DE5C83F3}" dt="2021-05-17T11:14:01.197" v="609" actId="20577"/>
+          <ac:spMkLst>
+            <pc:docMk/>
+            <pc:sldMk cId="2840004366" sldId="288"/>
+            <ac:spMk id="6" creationId="{42A5C6D3-DB9F-4B8F-972A-1A647F2E3F8B}"/>
+          </ac:spMkLst>
+        </pc:spChg>
+      </pc:sldChg>
+    </pc:docChg>
+  </pc:docChgLst>
+  <pc:docChgLst>
     <pc:chgData name="Yang Qin" userId="bb18dba3-1192-47b7-8dc1-3b48ca5af32c" providerId="ADAL" clId="{991D435C-0592-4188-AC73-130C31572E1A}"/>
     <pc:docChg chg="modSld">
       <pc:chgData name="Yang Qin" userId="bb18dba3-1192-47b7-8dc1-3b48ca5af32c" providerId="ADAL" clId="{991D435C-0592-4188-AC73-130C31572E1A}" dt="2021-05-20T01:05:55.323" v="15" actId="20577"/>
@@ -923,38 +955,6 @@
             <pc:docMk/>
             <pc:sldMk cId="2840004366" sldId="288"/>
             <ac:spMk id="19" creationId="{E222B6C4-C254-4591-8242-2FCA4CBF8E61}"/>
-          </ac:spMkLst>
-        </pc:spChg>
-      </pc:sldChg>
-    </pc:docChg>
-  </pc:docChgLst>
-  <pc:docChgLst>
-    <pc:chgData name="Yang Qin" userId="bb18dba3-1192-47b7-8dc1-3b48ca5af32c" providerId="ADAL" clId="{AB26A2B2-A721-4249-8FB3-80F7DE5C83F3}"/>
-    <pc:docChg chg="custSel modSld">
-      <pc:chgData name="Yang Qin" userId="bb18dba3-1192-47b7-8dc1-3b48ca5af32c" providerId="ADAL" clId="{AB26A2B2-A721-4249-8FB3-80F7DE5C83F3}" dt="2021-05-17T11:14:01.197" v="609" actId="20577"/>
-      <pc:docMkLst>
-        <pc:docMk/>
-      </pc:docMkLst>
-      <pc:sldChg chg="modSp">
-        <pc:chgData name="Yang Qin" userId="bb18dba3-1192-47b7-8dc1-3b48ca5af32c" providerId="ADAL" clId="{AB26A2B2-A721-4249-8FB3-80F7DE5C83F3}" dt="2021-05-17T11:14:01.197" v="609" actId="20577"/>
-        <pc:sldMkLst>
-          <pc:docMk/>
-          <pc:sldMk cId="2840004366" sldId="288"/>
-        </pc:sldMkLst>
-        <pc:spChg chg="mod">
-          <ac:chgData name="Yang Qin" userId="bb18dba3-1192-47b7-8dc1-3b48ca5af32c" providerId="ADAL" clId="{AB26A2B2-A721-4249-8FB3-80F7DE5C83F3}" dt="2021-05-17T10:53:31.790" v="13" actId="20577"/>
-          <ac:spMkLst>
-            <pc:docMk/>
-            <pc:sldMk cId="2840004366" sldId="288"/>
-            <ac:spMk id="4" creationId="{CC8F03EE-E78A-42BD-9FB7-0CE325AE8C0A}"/>
-          </ac:spMkLst>
-        </pc:spChg>
-        <pc:spChg chg="mod">
-          <ac:chgData name="Yang Qin" userId="bb18dba3-1192-47b7-8dc1-3b48ca5af32c" providerId="ADAL" clId="{AB26A2B2-A721-4249-8FB3-80F7DE5C83F3}" dt="2021-05-17T11:14:01.197" v="609" actId="20577"/>
-          <ac:spMkLst>
-            <pc:docMk/>
-            <pc:sldMk cId="2840004366" sldId="288"/>
-            <ac:spMk id="6" creationId="{42A5C6D3-DB9F-4B8F-972A-1A647F2E3F8B}"/>
           </ac:spMkLst>
         </pc:spChg>
       </pc:sldChg>
@@ -1169,48 +1169,26 @@
     </pc:docChg>
   </pc:docChgLst>
   <pc:docChgLst>
-    <pc:chgData name="Davy Chen" userId="S::davy_chen@epam.com::ed1b7ed3-7470-4616-ad0b-4117bc789761" providerId="AD" clId="Web-{2CE0B322-5F9F-4171-B773-9602BE15D308}"/>
+    <pc:chgData name="Yang Qin" userId="S::yang_qin@epam.com::bb18dba3-1192-47b7-8dc1-3b48ca5af32c" providerId="AD" clId="Web-{4B2EAC73-FB2F-4594-95EB-F8418B2CF0B0}"/>
     <pc:docChg chg="modSld">
-      <pc:chgData name="Davy Chen" userId="S::davy_chen@epam.com::ed1b7ed3-7470-4616-ad0b-4117bc789761" providerId="AD" clId="Web-{2CE0B322-5F9F-4171-B773-9602BE15D308}" dt="2021-10-25T12:26:08.629" v="42" actId="1076"/>
+      <pc:chgData name="Yang Qin" userId="S::yang_qin@epam.com::bb18dba3-1192-47b7-8dc1-3b48ca5af32c" providerId="AD" clId="Web-{4B2EAC73-FB2F-4594-95EB-F8418B2CF0B0}" dt="2021-05-20T04:21:21.256" v="9" actId="20577"/>
       <pc:docMkLst>
         <pc:docMk/>
       </pc:docMkLst>
-      <pc:sldChg chg="modSp modNotes">
-        <pc:chgData name="Davy Chen" userId="S::davy_chen@epam.com::ed1b7ed3-7470-4616-ad0b-4117bc789761" providerId="AD" clId="Web-{2CE0B322-5F9F-4171-B773-9602BE15D308}" dt="2021-10-25T12:24:34.237" v="38"/>
+      <pc:sldChg chg="modSp">
+        <pc:chgData name="Yang Qin" userId="S::yang_qin@epam.com::bb18dba3-1192-47b7-8dc1-3b48ca5af32c" providerId="AD" clId="Web-{4B2EAC73-FB2F-4594-95EB-F8418B2CF0B0}" dt="2021-05-20T04:21:21.256" v="9" actId="20577"/>
         <pc:sldMkLst>
           <pc:docMk/>
-          <pc:sldMk cId="3937270525" sldId="279"/>
+          <pc:sldMk cId="2840004366" sldId="288"/>
         </pc:sldMkLst>
         <pc:spChg chg="mod">
-          <ac:chgData name="Davy Chen" userId="S::davy_chen@epam.com::ed1b7ed3-7470-4616-ad0b-4117bc789761" providerId="AD" clId="Web-{2CE0B322-5F9F-4171-B773-9602BE15D308}" dt="2021-10-25T12:21:45.014" v="23" actId="20577"/>
+          <ac:chgData name="Yang Qin" userId="S::yang_qin@epam.com::bb18dba3-1192-47b7-8dc1-3b48ca5af32c" providerId="AD" clId="Web-{4B2EAC73-FB2F-4594-95EB-F8418B2CF0B0}" dt="2021-05-20T04:21:21.256" v="9" actId="20577"/>
           <ac:spMkLst>
             <pc:docMk/>
-            <pc:sldMk cId="3937270525" sldId="279"/>
-            <ac:spMk id="3" creationId="{00000000-0000-0000-0000-000000000000}"/>
+            <pc:sldMk cId="2840004366" sldId="288"/>
+            <ac:spMk id="6" creationId="{42A5C6D3-DB9F-4B8F-972A-1A647F2E3F8B}"/>
           </ac:spMkLst>
         </pc:spChg>
-      </pc:sldChg>
-      <pc:sldChg chg="modSp">
-        <pc:chgData name="Davy Chen" userId="S::davy_chen@epam.com::ed1b7ed3-7470-4616-ad0b-4117bc789761" providerId="AD" clId="Web-{2CE0B322-5F9F-4171-B773-9602BE15D308}" dt="2021-10-25T12:26:08.629" v="42" actId="1076"/>
-        <pc:sldMkLst>
-          <pc:docMk/>
-          <pc:sldMk cId="310720667" sldId="280"/>
-        </pc:sldMkLst>
-        <pc:graphicFrameChg chg="mod modGraphic">
-          <ac:chgData name="Davy Chen" userId="S::davy_chen@epam.com::ed1b7ed3-7470-4616-ad0b-4117bc789761" providerId="AD" clId="Web-{2CE0B322-5F9F-4171-B773-9602BE15D308}" dt="2021-10-25T12:26:08.629" v="42" actId="1076"/>
-          <ac:graphicFrameMkLst>
-            <pc:docMk/>
-            <pc:sldMk cId="310720667" sldId="280"/>
-            <ac:graphicFrameMk id="5" creationId="{8C99DA43-C452-4A4C-8F4F-283CCB1CDA8E}"/>
-          </ac:graphicFrameMkLst>
-        </pc:graphicFrameChg>
-      </pc:sldChg>
-      <pc:sldChg chg="modNotes">
-        <pc:chgData name="Davy Chen" userId="S::davy_chen@epam.com::ed1b7ed3-7470-4616-ad0b-4117bc789761" providerId="AD" clId="Web-{2CE0B322-5F9F-4171-B773-9602BE15D308}" dt="2021-10-25T12:23:18.203" v="33"/>
-        <pc:sldMkLst>
-          <pc:docMk/>
-          <pc:sldMk cId="3950859930" sldId="292"/>
-        </pc:sldMkLst>
       </pc:sldChg>
     </pc:docChg>
   </pc:docChgLst>
@@ -1596,26 +1574,48 @@
     </pc:docChg>
   </pc:docChgLst>
   <pc:docChgLst>
-    <pc:chgData name="Yang Qin" userId="S::yang_qin@epam.com::bb18dba3-1192-47b7-8dc1-3b48ca5af32c" providerId="AD" clId="Web-{4B2EAC73-FB2F-4594-95EB-F8418B2CF0B0}"/>
+    <pc:chgData name="Davy Chen" userId="S::davy_chen@epam.com::ed1b7ed3-7470-4616-ad0b-4117bc789761" providerId="AD" clId="Web-{2CE0B322-5F9F-4171-B773-9602BE15D308}"/>
     <pc:docChg chg="modSld">
-      <pc:chgData name="Yang Qin" userId="S::yang_qin@epam.com::bb18dba3-1192-47b7-8dc1-3b48ca5af32c" providerId="AD" clId="Web-{4B2EAC73-FB2F-4594-95EB-F8418B2CF0B0}" dt="2021-05-20T04:21:21.256" v="9" actId="20577"/>
+      <pc:chgData name="Davy Chen" userId="S::davy_chen@epam.com::ed1b7ed3-7470-4616-ad0b-4117bc789761" providerId="AD" clId="Web-{2CE0B322-5F9F-4171-B773-9602BE15D308}" dt="2021-10-25T12:26:08.629" v="42" actId="1076"/>
       <pc:docMkLst>
         <pc:docMk/>
       </pc:docMkLst>
-      <pc:sldChg chg="modSp">
-        <pc:chgData name="Yang Qin" userId="S::yang_qin@epam.com::bb18dba3-1192-47b7-8dc1-3b48ca5af32c" providerId="AD" clId="Web-{4B2EAC73-FB2F-4594-95EB-F8418B2CF0B0}" dt="2021-05-20T04:21:21.256" v="9" actId="20577"/>
+      <pc:sldChg chg="modSp modNotes">
+        <pc:chgData name="Davy Chen" userId="S::davy_chen@epam.com::ed1b7ed3-7470-4616-ad0b-4117bc789761" providerId="AD" clId="Web-{2CE0B322-5F9F-4171-B773-9602BE15D308}" dt="2021-10-25T12:24:34.237" v="38"/>
         <pc:sldMkLst>
           <pc:docMk/>
-          <pc:sldMk cId="2840004366" sldId="288"/>
+          <pc:sldMk cId="3937270525" sldId="279"/>
         </pc:sldMkLst>
         <pc:spChg chg="mod">
-          <ac:chgData name="Yang Qin" userId="S::yang_qin@epam.com::bb18dba3-1192-47b7-8dc1-3b48ca5af32c" providerId="AD" clId="Web-{4B2EAC73-FB2F-4594-95EB-F8418B2CF0B0}" dt="2021-05-20T04:21:21.256" v="9" actId="20577"/>
+          <ac:chgData name="Davy Chen" userId="S::davy_chen@epam.com::ed1b7ed3-7470-4616-ad0b-4117bc789761" providerId="AD" clId="Web-{2CE0B322-5F9F-4171-B773-9602BE15D308}" dt="2021-10-25T12:21:45.014" v="23" actId="20577"/>
           <ac:spMkLst>
             <pc:docMk/>
-            <pc:sldMk cId="2840004366" sldId="288"/>
-            <ac:spMk id="6" creationId="{42A5C6D3-DB9F-4B8F-972A-1A647F2E3F8B}"/>
+            <pc:sldMk cId="3937270525" sldId="279"/>
+            <ac:spMk id="3" creationId="{00000000-0000-0000-0000-000000000000}"/>
           </ac:spMkLst>
         </pc:spChg>
+      </pc:sldChg>
+      <pc:sldChg chg="modSp">
+        <pc:chgData name="Davy Chen" userId="S::davy_chen@epam.com::ed1b7ed3-7470-4616-ad0b-4117bc789761" providerId="AD" clId="Web-{2CE0B322-5F9F-4171-B773-9602BE15D308}" dt="2021-10-25T12:26:08.629" v="42" actId="1076"/>
+        <pc:sldMkLst>
+          <pc:docMk/>
+          <pc:sldMk cId="310720667" sldId="280"/>
+        </pc:sldMkLst>
+        <pc:graphicFrameChg chg="mod modGraphic">
+          <ac:chgData name="Davy Chen" userId="S::davy_chen@epam.com::ed1b7ed3-7470-4616-ad0b-4117bc789761" providerId="AD" clId="Web-{2CE0B322-5F9F-4171-B773-9602BE15D308}" dt="2021-10-25T12:26:08.629" v="42" actId="1076"/>
+          <ac:graphicFrameMkLst>
+            <pc:docMk/>
+            <pc:sldMk cId="310720667" sldId="280"/>
+            <ac:graphicFrameMk id="5" creationId="{8C99DA43-C452-4A4C-8F4F-283CCB1CDA8E}"/>
+          </ac:graphicFrameMkLst>
+        </pc:graphicFrameChg>
+      </pc:sldChg>
+      <pc:sldChg chg="modNotes">
+        <pc:chgData name="Davy Chen" userId="S::davy_chen@epam.com::ed1b7ed3-7470-4616-ad0b-4117bc789761" providerId="AD" clId="Web-{2CE0B322-5F9F-4171-B773-9602BE15D308}" dt="2021-10-25T12:23:18.203" v="33"/>
+        <pc:sldMkLst>
+          <pc:docMk/>
+          <pc:sldMk cId="3950859930" sldId="292"/>
+        </pc:sldMkLst>
       </pc:sldChg>
     </pc:docChg>
   </pc:docChgLst>
@@ -1704,7 +1704,7 @@
           <a:p>
             <a:fld id="{3FDC14FC-A894-4869-A797-1EC82735D106}" type="datetimeFigureOut">
               <a:rPr lang="en-US" smtClean="0"/>
-              <a:t>12/28/21</a:t>
+              <a:t>12/30/21</a:t>
             </a:fld>
             <a:endParaRPr lang="en-US"/>
           </a:p>
@@ -1869,7 +1869,7 @@
           <a:p>
             <a:fld id="{B4F99C05-63F9-4248-8E20-3ACD9DF9DE7F}" type="datetimeFigureOut">
               <a:rPr lang="en-US" smtClean="0"/>
-              <a:t>12/28/21</a:t>
+              <a:t>12/30/21</a:t>
             </a:fld>
             <a:endParaRPr lang="en-US"/>
           </a:p>
@@ -2477,6 +2477,74 @@
           <a:bodyPr/>
           <a:lstStyle/>
           <a:p>
+            <a:r>
+              <a:rPr lang="en-US" dirty="0"/>
+              <a:t>A</a:t>
+            </a:r>
+            <a:r>
+              <a:rPr lang="en-CN" dirty="0"/>
+              <a:t>ll</a:t>
+            </a:r>
+            <a:r>
+              <a:rPr lang="zh-CN" altLang="en-US" dirty="0"/>
+              <a:t> </a:t>
+            </a:r>
+            <a:r>
+              <a:rPr lang="en-US" altLang="zh-CN" dirty="0"/>
+              <a:t>have</a:t>
+            </a:r>
+            <a:r>
+              <a:rPr lang="zh-CN" altLang="en-US" dirty="0"/>
+              <a:t> </a:t>
+            </a:r>
+            <a:r>
+              <a:rPr lang="en-US" altLang="zh-CN" dirty="0"/>
+              <a:t>store</a:t>
+            </a:r>
+            <a:r>
+              <a:rPr lang="zh-CN" altLang="en-US" dirty="0"/>
+              <a:t>。</a:t>
+            </a:r>
+            <a:endParaRPr lang="en-US" altLang="zh-CN" dirty="0"/>
+          </a:p>
+          <a:p>
+            <a:endParaRPr lang="en-US" dirty="0"/>
+          </a:p>
+          <a:p>
+            <a:endParaRPr lang="en-US" dirty="0"/>
+          </a:p>
+          <a:p>
+            <a:r>
+              <a:rPr lang="en-US" dirty="0"/>
+              <a:t>Explain</a:t>
+            </a:r>
+            <a:r>
+              <a:rPr lang="zh-CN" altLang="en-US" dirty="0"/>
+              <a:t> </a:t>
+            </a:r>
+            <a:r>
+              <a:rPr lang="en-US" altLang="zh-CN" dirty="0"/>
+              <a:t>store</a:t>
+            </a:r>
+            <a:r>
+              <a:rPr lang="zh-CN" altLang="en-US" dirty="0"/>
+              <a:t> </a:t>
+            </a:r>
+            <a:r>
+              <a:rPr lang="en-US" altLang="zh-CN" dirty="0"/>
+              <a:t>in</a:t>
+            </a:r>
+            <a:r>
+              <a:rPr lang="zh-CN" altLang="en-US" dirty="0"/>
+              <a:t> </a:t>
+            </a:r>
+            <a:r>
+              <a:rPr lang="en-US" altLang="zh-CN" dirty="0"/>
+              <a:t>akita</a:t>
+            </a:r>
+            <a:endParaRPr lang="en-US" dirty="0"/>
+          </a:p>
+          <a:p>
             <a:endParaRPr lang="en-US" dirty="0"/>
           </a:p>
         </p:txBody>
@@ -2561,6 +2629,79 @@
           <a:bodyPr/>
           <a:lstStyle/>
           <a:p>
+            <a:r>
+              <a:rPr lang="en-US" dirty="0"/>
+              <a:t>Query</a:t>
+            </a:r>
+            <a:r>
+              <a:rPr lang="zh-CN" altLang="en-US" dirty="0"/>
+              <a:t> </a:t>
+            </a:r>
+            <a:r>
+              <a:rPr lang="en-US" altLang="zh-CN" dirty="0"/>
+              <a:t>special</a:t>
+            </a:r>
+            <a:r>
+              <a:rPr lang="zh-CN" altLang="en-US" dirty="0"/>
+              <a:t> </a:t>
+            </a:r>
+            <a:endParaRPr lang="en-US" altLang="zh-CN" dirty="0"/>
+          </a:p>
+          <a:p>
+            <a:endParaRPr lang="en-US" dirty="0"/>
+          </a:p>
+          <a:p>
+            <a:endParaRPr lang="en-US" dirty="0"/>
+          </a:p>
+          <a:p>
+            <a:r>
+              <a:rPr lang="en-US" dirty="0" err="1"/>
+              <a:t>Explian</a:t>
+            </a:r>
+            <a:r>
+              <a:rPr lang="zh-CN" altLang="en-US" dirty="0"/>
+              <a:t>  </a:t>
+            </a:r>
+            <a:r>
+              <a:rPr lang="en-US" altLang="zh-CN" dirty="0"/>
+              <a:t>query</a:t>
+            </a:r>
+          </a:p>
+          <a:p>
+            <a:endParaRPr lang="en-US" dirty="0"/>
+          </a:p>
+          <a:p>
+            <a:endParaRPr lang="en-US" dirty="0"/>
+          </a:p>
+          <a:p>
+            <a:r>
+              <a:rPr lang="en-US" dirty="0"/>
+              <a:t>Good</a:t>
+            </a:r>
+            <a:r>
+              <a:rPr lang="zh-CN" altLang="en-US" dirty="0"/>
+              <a:t> </a:t>
+            </a:r>
+            <a:r>
+              <a:rPr lang="en-US" altLang="zh-CN" dirty="0"/>
+              <a:t>at</a:t>
+            </a:r>
+            <a:r>
+              <a:rPr lang="zh-CN" altLang="en-US" dirty="0"/>
+              <a:t> </a:t>
+            </a:r>
+            <a:r>
+              <a:rPr lang="en-US" altLang="zh-CN" dirty="0"/>
+              <a:t>for</a:t>
+            </a:r>
+            <a:r>
+              <a:rPr lang="zh-CN" altLang="en-US" dirty="0"/>
+              <a:t> </a:t>
+            </a:r>
+            <a:r>
+              <a:rPr lang="en-US" altLang="zh-CN" dirty="0"/>
+              <a:t>now</a:t>
+            </a:r>
             <a:endParaRPr lang="en-US" dirty="0"/>
           </a:p>
         </p:txBody>
@@ -2765,10 +2906,9 @@
               <a:t> </a:t>
             </a:r>
             <a:r>
-              <a:rPr lang="en-US" altLang="zh-CN"/>
+              <a:rPr lang="en-US" altLang="zh-CN" dirty="0"/>
               <a:t>query</a:t>
             </a:r>
-            <a:endParaRPr lang="en-US" altLang="zh-CN" dirty="0"/>
           </a:p>
         </p:txBody>
       </p:sp>
@@ -11829,7 +11969,7 @@
           </a:ln>
           <a:extLst>
             <a:ext uri="{C572A759-6A51-4108-AA02-DFA0A04FC94B}">
-              <ma14:wrappingTextBoxFlag xmlns:ma14="http://schemas.microsoft.com/office/mac/drawingml/2011/main" xmlns="" val="1"/>
+              <ma14:wrappingTextBoxFlag xmlns="" xmlns:ma14="http://schemas.microsoft.com/office/mac/drawingml/2011/main" val="1"/>
             </a:ext>
           </a:extLst>
         </p:spPr>
@@ -27465,20 +27605,6 @@
 </file>
 
 <file path=customXml/item1.xml><?xml version="1.0" encoding="utf-8"?>
-<p:properties xmlns:p="http://schemas.microsoft.com/office/2006/metadata/properties" xmlns:xsi="http://www.w3.org/2001/XMLSchema-instance" xmlns:pc="http://schemas.microsoft.com/office/infopath/2007/PartnerControls">
-  <documentManagement>
-    <SharedWithUsers xmlns="e7a4334c-07cc-4093-81ef-8853e119eb30">
-      <UserInfo>
-        <DisplayName>EPAM SU JAVASCRIPT TEAM A2 Members</DisplayName>
-        <AccountId>7</AccountId>
-        <AccountType/>
-      </UserInfo>
-    </SharedWithUsers>
-  </documentManagement>
-</p:properties>
-</file>
-
-<file path=customXml/item2.xml><?xml version="1.0" encoding="utf-8"?>
 <ct:contentTypeSchema xmlns:ct="http://schemas.microsoft.com/office/2006/metadata/contentType" xmlns:ma="http://schemas.microsoft.com/office/2006/metadata/properties/metaAttributes" ct:_="" ma:_="" ma:contentTypeName="Document" ma:contentTypeID="0x01010069A01689FA6C784D945F91AB88AD7205" ma:contentTypeVersion="4" ma:contentTypeDescription="Create a new document." ma:contentTypeScope="" ma:versionID="8b25459eb04c3a63fe9bef54d4c8a9c4">
   <xsd:schema xmlns:xsd="http://www.w3.org/2001/XMLSchema" xmlns:xs="http://www.w3.org/2001/XMLSchema" xmlns:p="http://schemas.microsoft.com/office/2006/metadata/properties" xmlns:ns2="7c5705f0-4923-4b56-bf24-c83471f01d25" xmlns:ns3="e7a4334c-07cc-4093-81ef-8853e119eb30" targetNamespace="http://schemas.microsoft.com/office/2006/metadata/properties" ma:root="true" ma:fieldsID="322282b5bbf6489561870bb82f99b00c" ns2:_="" ns3:_="">
     <xsd:import namespace="7c5705f0-4923-4b56-bf24-c83471f01d25"/>
@@ -27643,6 +27769,20 @@
 </ct:contentTypeSchema>
 </file>
 
+<file path=customXml/item2.xml><?xml version="1.0" encoding="utf-8"?>
+<p:properties xmlns:p="http://schemas.microsoft.com/office/2006/metadata/properties" xmlns:xsi="http://www.w3.org/2001/XMLSchema-instance" xmlns:pc="http://schemas.microsoft.com/office/infopath/2007/PartnerControls">
+  <documentManagement>
+    <SharedWithUsers xmlns="e7a4334c-07cc-4093-81ef-8853e119eb30">
+      <UserInfo>
+        <DisplayName>EPAM SU JAVASCRIPT TEAM A2 Members</DisplayName>
+        <AccountId>7</AccountId>
+        <AccountType/>
+      </UserInfo>
+    </SharedWithUsers>
+  </documentManagement>
+</p:properties>
+</file>
+
 <file path=customXml/item3.xml><?xml version="1.0" encoding="utf-8"?>
 <?mso-contentType ?>
 <FormTemplates xmlns="http://schemas.microsoft.com/sharepoint/v3/contenttype/forms">
@@ -27653,23 +27793,6 @@
 </file>
 
 <file path=customXml/itemProps1.xml><?xml version="1.0" encoding="utf-8"?>
-<ds:datastoreItem xmlns:ds="http://schemas.openxmlformats.org/officeDocument/2006/customXml" ds:itemID="{5B5755BE-6F13-4B03-98A7-8D12F5C4422A}">
-  <ds:schemaRefs>
-    <ds:schemaRef ds:uri="http://purl.org/dc/dcmitype/"/>
-    <ds:schemaRef ds:uri="http://schemas.microsoft.com/office/2006/documentManagement/types"/>
-    <ds:schemaRef ds:uri="e7a4334c-07cc-4093-81ef-8853e119eb30"/>
-    <ds:schemaRef ds:uri="http://schemas.microsoft.com/office/infopath/2007/PartnerControls"/>
-    <ds:schemaRef ds:uri="http://purl.org/dc/terms/"/>
-    <ds:schemaRef ds:uri="http://www.w3.org/XML/1998/namespace"/>
-    <ds:schemaRef ds:uri="http://schemas.openxmlformats.org/package/2006/metadata/core-properties"/>
-    <ds:schemaRef ds:uri="7c5705f0-4923-4b56-bf24-c83471f01d25"/>
-    <ds:schemaRef ds:uri="http://schemas.microsoft.com/office/2006/metadata/properties"/>
-    <ds:schemaRef ds:uri="http://purl.org/dc/elements/1.1/"/>
-  </ds:schemaRefs>
-</ds:datastoreItem>
-</file>
-
-<file path=customXml/itemProps2.xml><?xml version="1.0" encoding="utf-8"?>
 <ds:datastoreItem xmlns:ds="http://schemas.openxmlformats.org/officeDocument/2006/customXml" ds:itemID="{F5F0818C-1F3B-4187-8AF9-D4A5E7B49792}">
   <ds:schemaRefs>
     <ds:schemaRef ds:uri="7c5705f0-4923-4b56-bf24-c83471f01d25"/>
@@ -27689,6 +27812,23 @@
 </ds:datastoreItem>
 </file>
 
+<file path=customXml/itemProps2.xml><?xml version="1.0" encoding="utf-8"?>
+<ds:datastoreItem xmlns:ds="http://schemas.openxmlformats.org/officeDocument/2006/customXml" ds:itemID="{5B5755BE-6F13-4B03-98A7-8D12F5C4422A}">
+  <ds:schemaRefs>
+    <ds:schemaRef ds:uri="http://purl.org/dc/dcmitype/"/>
+    <ds:schemaRef ds:uri="http://schemas.microsoft.com/office/2006/documentManagement/types"/>
+    <ds:schemaRef ds:uri="e7a4334c-07cc-4093-81ef-8853e119eb30"/>
+    <ds:schemaRef ds:uri="http://schemas.microsoft.com/office/infopath/2007/PartnerControls"/>
+    <ds:schemaRef ds:uri="http://purl.org/dc/terms/"/>
+    <ds:schemaRef ds:uri="http://www.w3.org/XML/1998/namespace"/>
+    <ds:schemaRef ds:uri="http://schemas.openxmlformats.org/package/2006/metadata/core-properties"/>
+    <ds:schemaRef ds:uri="7c5705f0-4923-4b56-bf24-c83471f01d25"/>
+    <ds:schemaRef ds:uri="http://schemas.microsoft.com/office/2006/metadata/properties"/>
+    <ds:schemaRef ds:uri="http://purl.org/dc/elements/1.1/"/>
+  </ds:schemaRefs>
+</ds:datastoreItem>
+</file>
+
 <file path=customXml/itemProps3.xml><?xml version="1.0" encoding="utf-8"?>
 <ds:datastoreItem xmlns:ds="http://schemas.openxmlformats.org/officeDocument/2006/customXml" ds:itemID="{71A6FA45-072E-4D3E-A56E-DAF8B2FDD0DC}">
   <ds:schemaRefs>
